--- a/static/ME233_Sp16_L20_Series_Parallel_Least_Squares_ARMA.pptx
+++ b/static/ME233_Sp16_L20_Series_Parallel_Least_Squares_ARMA.pptx
@@ -24842,7 +24842,15 @@
             <a:pPr eaLnBrk="1" hangingPunct="1"/>
             <a:r>
               <a:rPr lang="en-US"/>
-              <a:t>Bondedness of the regressor vector</a:t>
+              <a:t>Boundedness of the </a:t>
+            </a:r>
+            <a:r>
+              <a:rPr lang="en-US" dirty="0" err="1"/>
+              <a:t>regressor</a:t>
+            </a:r>
+            <a:r>
+              <a:rPr lang="en-US" dirty="0"/>
+              <a:t> vector</a:t>
             </a:r>
           </a:p>
         </p:txBody>
@@ -25418,8 +25426,16 @@
           <a:p>
             <a:pPr eaLnBrk="1" hangingPunct="1"/>
             <a:r>
-              <a:rPr lang="en-US"/>
-              <a:t>Bondedness of the regressor vector</a:t>
+              <a:rPr lang="en-US" dirty="0"/>
+              <a:t>Boundedness of the </a:t>
+            </a:r>
+            <a:r>
+              <a:rPr lang="en-US" dirty="0" err="1"/>
+              <a:t>regressor</a:t>
+            </a:r>
+            <a:r>
+              <a:rPr lang="en-US" dirty="0"/>
+              <a:t> vector</a:t>
             </a:r>
           </a:p>
         </p:txBody>
@@ -26378,8 +26394,16 @@
           <a:p>
             <a:pPr eaLnBrk="1" hangingPunct="1"/>
             <a:r>
-              <a:rPr lang="en-US"/>
-              <a:t>Bondedness of the regressor vector</a:t>
+              <a:rPr lang="en-US" dirty="0"/>
+              <a:t>Boundedness of the </a:t>
+            </a:r>
+            <a:r>
+              <a:rPr lang="en-US" dirty="0" err="1"/>
+              <a:t>regressor</a:t>
+            </a:r>
+            <a:r>
+              <a:rPr lang="en-US" dirty="0"/>
+              <a:t> vector</a:t>
             </a:r>
           </a:p>
         </p:txBody>
